--- a/poster.pptx
+++ b/poster.pptx
@@ -5,10 +5,11 @@
     <p:sldMasterId id="2147483648" r:id="rId1"/>
   </p:sldMasterIdLst>
   <p:notesMasterIdLst>
-    <p:notesMasterId r:id="rId3"/>
+    <p:notesMasterId r:id="rId4"/>
   </p:notesMasterIdLst>
   <p:sldIdLst>
     <p:sldId id="257" r:id="rId2"/>
+    <p:sldId id="258" r:id="rId3"/>
   </p:sldIdLst>
   <p:sldSz cx="14758988" cy="10333038"/>
   <p:notesSz cx="6858000" cy="9144000"/>
@@ -2288,7 +2289,7 @@
                 <a:latin typeface="Bodoni MT" charset="0"/>
                 <a:cs typeface="Helvetica Neue" charset="0"/>
               </a:rPr>
-              <a:t>MAIN HEADINGS – BODONI MT 18PT ALL CAPS</a:t>
+              <a:t>PROJECT KEY PERFORMANCE</a:t>
             </a:r>
           </a:p>
           <a:p>
@@ -2299,96 +2300,141 @@
           </a:p>
           <a:p>
             <a:r>
-              <a:rPr lang="en-US" b="1" dirty="0">
-                <a:latin typeface="Helvetica Neue" charset="0"/>
-                <a:cs typeface="Helvetica Neue" charset="0"/>
+              <a:rPr lang="en-AU" b="1" dirty="0"/>
+              <a:t>1.Be able to track a person using the GPS module</a:t>
+            </a:r>
+          </a:p>
+          <a:p>
+            <a:r>
+              <a:rPr lang="en-AU" dirty="0">
+                <a:latin typeface="Times New Roman" panose="02020603050405020304" pitchFamily="18" charset="0"/>
+                <a:cs typeface="Times New Roman" panose="02020603050405020304" pitchFamily="18" charset="0"/>
               </a:rPr>
-              <a:t>Subheadings – Helvetica Neue Bold 14pt</a:t>
-            </a:r>
-          </a:p>
-          <a:p>
-            <a:r>
-              <a:rPr lang="en-US" dirty="0">
-                <a:latin typeface="Helvetica Neue" charset="0"/>
-                <a:cs typeface="Helvetica Neue" charset="0"/>
+              <a:t>When Moving, visual dashboard/coordinate system </a:t>
+            </a:r>
+          </a:p>
+          <a:p>
+            <a:endParaRPr lang="en-AU" b="1" dirty="0"/>
+          </a:p>
+          <a:p>
+            <a:r>
+              <a:rPr lang="en-AU" b="1" dirty="0"/>
+              <a:t>2. Able to send data from the </a:t>
+            </a:r>
+            <a:r>
+              <a:rPr lang="en-AU" b="1" dirty="0" err="1"/>
+              <a:t>LoraWan</a:t>
+            </a:r>
+            <a:r>
+              <a:rPr lang="en-AU" b="1" dirty="0"/>
+              <a:t> module to the </a:t>
+            </a:r>
+            <a:r>
+              <a:rPr lang="en-AU" b="1" dirty="0" err="1"/>
+              <a:t>LoraWan</a:t>
+            </a:r>
+            <a:r>
+              <a:rPr lang="en-AU" b="1" dirty="0"/>
+              <a:t> gateway</a:t>
+            </a:r>
+          </a:p>
+          <a:p>
+            <a:r>
+              <a:rPr lang="en-AU" dirty="0">
+                <a:latin typeface="Times New Roman" panose="02020603050405020304" pitchFamily="18" charset="0"/>
+                <a:cs typeface="Times New Roman" panose="02020603050405020304" pitchFamily="18" charset="0"/>
               </a:rPr>
-              <a:t>Body Text – Helvetica Neue 14pt (min 12pt)</a:t>
-            </a:r>
-          </a:p>
-          <a:p>
-            <a:endParaRPr lang="en-US" dirty="0">
-              <a:latin typeface="Helvetica Neue" charset="0"/>
-              <a:cs typeface="Helvetica Neue" charset="0"/>
+              <a:t>The </a:t>
+            </a:r>
+            <a:r>
+              <a:rPr lang="en-AU" dirty="0" err="1">
+                <a:latin typeface="Times New Roman" panose="02020603050405020304" pitchFamily="18" charset="0"/>
+                <a:cs typeface="Times New Roman" panose="02020603050405020304" pitchFamily="18" charset="0"/>
+              </a:rPr>
+              <a:t>LoraWan</a:t>
+            </a:r>
+            <a:r>
+              <a:rPr lang="en-AU" dirty="0">
+                <a:latin typeface="Times New Roman" panose="02020603050405020304" pitchFamily="18" charset="0"/>
+                <a:cs typeface="Times New Roman" panose="02020603050405020304" pitchFamily="18" charset="0"/>
+              </a:rPr>
+              <a:t> radio module should be able to send movement data/basic information to the </a:t>
+            </a:r>
+            <a:r>
+              <a:rPr lang="en-AU" dirty="0" err="1">
+                <a:latin typeface="Times New Roman" panose="02020603050405020304" pitchFamily="18" charset="0"/>
+                <a:cs typeface="Times New Roman" panose="02020603050405020304" pitchFamily="18" charset="0"/>
+              </a:rPr>
+              <a:t>LoraWan</a:t>
+            </a:r>
+            <a:r>
+              <a:rPr lang="en-AU" dirty="0">
+                <a:latin typeface="Times New Roman" panose="02020603050405020304" pitchFamily="18" charset="0"/>
+                <a:cs typeface="Times New Roman" panose="02020603050405020304" pitchFamily="18" charset="0"/>
+              </a:rPr>
+              <a:t> gateway</a:t>
+            </a:r>
+          </a:p>
+          <a:p>
+            <a:endParaRPr lang="en-AU" b="1" dirty="0"/>
+          </a:p>
+          <a:p>
+            <a:r>
+              <a:rPr lang="en-AU" b="1" dirty="0"/>
+              <a:t>3. Implement the dead-reckoning model using the Kalman filter</a:t>
+            </a:r>
+          </a:p>
+          <a:p>
+            <a:r>
+              <a:rPr lang="en-AU" dirty="0">
+                <a:latin typeface="Times New Roman" panose="02020603050405020304" pitchFamily="18" charset="0"/>
+                <a:cs typeface="Times New Roman" panose="02020603050405020304" pitchFamily="18" charset="0"/>
+              </a:rPr>
+              <a:t>The dead reckoning model will calculate current position of a moving object and determine an estimate of the direction. </a:t>
+            </a:r>
+          </a:p>
+          <a:p>
+            <a:endParaRPr lang="en-AU" b="1" dirty="0"/>
+          </a:p>
+          <a:p>
+            <a:r>
+              <a:rPr lang="en-AU" b="1" dirty="0"/>
+              <a:t>4. Able to send data to the dashboard</a:t>
+            </a:r>
+          </a:p>
+          <a:p>
+            <a:r>
+              <a:rPr lang="en-AU" dirty="0">
+                <a:latin typeface="Times New Roman" panose="02020603050405020304" pitchFamily="18" charset="0"/>
+                <a:cs typeface="Times New Roman" panose="02020603050405020304" pitchFamily="18" charset="0"/>
+              </a:rPr>
+              <a:t>Movement data/basic information should be sent back to the dashboard. </a:t>
+            </a:r>
+          </a:p>
+          <a:p>
+            <a:endParaRPr lang="en-AU" dirty="0"/>
+          </a:p>
+          <a:p>
+            <a:r>
+              <a:rPr lang="en-AU" b="1" dirty="0"/>
+              <a:t>5. Static beacon network using the thingy:52 implemented</a:t>
+            </a:r>
+          </a:p>
+          <a:p>
+            <a:r>
+              <a:rPr lang="en-AU" dirty="0">
+                <a:latin typeface="Times New Roman" panose="02020603050405020304" pitchFamily="18" charset="0"/>
+                <a:cs typeface="Times New Roman" panose="02020603050405020304" pitchFamily="18" charset="0"/>
+              </a:rPr>
+              <a:t>Implement a static beacon, which sends RSSI ranging information to the mobile node</a:t>
+            </a:r>
+            <a:endParaRPr lang="en-AU" b="1" dirty="0">
+              <a:latin typeface="Times New Roman" panose="02020603050405020304" pitchFamily="18" charset="0"/>
+              <a:cs typeface="Times New Roman" panose="02020603050405020304" pitchFamily="18" charset="0"/>
             </a:endParaRPr>
           </a:p>
           <a:p>
-            <a:r>
-              <a:rPr lang="en-US" b="1" dirty="0">
-                <a:latin typeface="Helvetica Neue" charset="0"/>
-                <a:cs typeface="Helvetica Neue" charset="0"/>
-              </a:rPr>
-              <a:t>Don’t have the above fonts installed?</a:t>
-            </a:r>
-          </a:p>
-          <a:p>
-            <a:r>
-              <a:rPr lang="en-US" dirty="0">
-                <a:latin typeface="Helvetica Neue" charset="0"/>
-                <a:cs typeface="Helvetica Neue" charset="0"/>
-              </a:rPr>
-              <a:t>Substitutes for Bodoni MT:</a:t>
-            </a:r>
-          </a:p>
-          <a:p>
-            <a:r>
-              <a:rPr lang="en-US" dirty="0">
-                <a:latin typeface="Didot" charset="0"/>
-                <a:cs typeface="Helvetica Neue" charset="0"/>
-              </a:rPr>
-              <a:t>Didot on Apple</a:t>
-            </a:r>
-          </a:p>
-          <a:p>
-            <a:r>
-              <a:rPr lang="en-US" dirty="0">
-                <a:latin typeface="Times New Roman" charset="0"/>
-                <a:cs typeface="Times New Roman" charset="0"/>
-              </a:rPr>
-              <a:t>or Times New Roman (Apple &amp; Windows)</a:t>
-            </a:r>
-          </a:p>
-          <a:p>
-            <a:endParaRPr lang="en-US" dirty="0">
-              <a:latin typeface="Helvetica Neue" charset="0"/>
-              <a:cs typeface="Helvetica Neue" charset="0"/>
-            </a:endParaRPr>
-          </a:p>
-          <a:p>
-            <a:r>
-              <a:rPr lang="en-US" dirty="0">
-                <a:latin typeface="Helvetica Neue" charset="0"/>
-                <a:cs typeface="Helvetica Neue" charset="0"/>
-              </a:rPr>
-              <a:t>Substitutes for Helvetica Neue:</a:t>
-            </a:r>
-          </a:p>
-          <a:p>
-            <a:r>
-              <a:rPr lang="en-US" dirty="0">
-                <a:latin typeface="Helvetica" charset="0"/>
-                <a:cs typeface="Helvetica" charset="0"/>
-              </a:rPr>
-              <a:t>Helvetica (Apple)</a:t>
-            </a:r>
-          </a:p>
-          <a:p>
-            <a:r>
-              <a:rPr lang="en-US" dirty="0">
-                <a:latin typeface="Arial" charset="0"/>
-                <a:cs typeface="Arial" charset="0"/>
-              </a:rPr>
-              <a:t>or Arial (Apple &amp; Windows)</a:t>
-            </a:r>
+            <a:endParaRPr lang="en-AU" b="1" dirty="0"/>
           </a:p>
           <a:p>
             <a:endParaRPr lang="en-US" dirty="0">
@@ -2410,8 +2456,8 @@
         </p:nvSpPr>
         <p:spPr>
           <a:xfrm>
-            <a:off x="449263" y="-25400"/>
-            <a:ext cx="14312900" cy="698500"/>
+            <a:off x="112713" y="-246063"/>
+            <a:ext cx="14649450" cy="1139825"/>
           </a:xfrm>
         </p:spPr>
         <p:txBody>
@@ -2419,12 +2465,17 @@
           <a:lstStyle/>
           <a:p>
             <a:r>
-              <a:rPr lang="en-US" cap="none" dirty="0">
-                <a:latin typeface="Bodoni MT" charset="0"/>
-                <a:cs typeface="Didot" charset="0"/>
-              </a:rPr>
-              <a:t>TITLE OF YOUR PROJECT (BODONI MT 48PT)</a:t>
-            </a:r>
+              <a:rPr lang="en-AU" sz="3600" dirty="0"/>
+              <a:t>Outdoor GPS Dead-Reckoning with </a:t>
+            </a:r>
+            <a:r>
+              <a:rPr lang="en-AU" sz="3600" dirty="0" err="1"/>
+              <a:t>Lorawan</a:t>
+            </a:r>
+            <a:endParaRPr lang="en-US" sz="3600" cap="none" dirty="0">
+              <a:latin typeface="Bodoni MT" charset="0"/>
+              <a:cs typeface="Didot" charset="0"/>
+            </a:endParaRPr>
           </a:p>
         </p:txBody>
       </p:sp>
@@ -2458,35 +2509,7 @@
                 <a:latin typeface="Helvetica Neue" charset="0"/>
                 <a:cs typeface="Helvetica Neue" charset="0"/>
               </a:rPr>
-              <a:t>Your Names and Team ID (A, B, </a:t>
-            </a:r>
-            <a:r>
-              <a:rPr lang="en-US" dirty="0" err="1">
-                <a:latin typeface="Helvetica Neue" charset="0"/>
-                <a:cs typeface="Helvetica Neue" charset="0"/>
-              </a:rPr>
-              <a:t>etc</a:t>
-            </a:r>
-            <a:r>
-              <a:rPr lang="en-US" dirty="0">
-                <a:latin typeface="Helvetica Neue" charset="0"/>
-                <a:cs typeface="Helvetica Neue" charset="0"/>
-              </a:rPr>
-              <a:t>) (Helvetica </a:t>
-            </a:r>
-            <a:r>
-              <a:rPr lang="en-US" dirty="0" err="1">
-                <a:latin typeface="Helvetica Neue" charset="0"/>
-                <a:cs typeface="Helvetica Neue" charset="0"/>
-              </a:rPr>
-              <a:t>Neue</a:t>
-            </a:r>
-            <a:r>
-              <a:rPr lang="en-US" dirty="0">
-                <a:latin typeface="Helvetica Neue" charset="0"/>
-                <a:cs typeface="Helvetica Neue" charset="0"/>
-              </a:rPr>
-              <a:t> 24pt)</a:t>
+              <a:t>Nicholas and Fletcher, Adonis-Red</a:t>
             </a:r>
           </a:p>
         </p:txBody>
@@ -2513,188 +2536,61 @@
           <a:lstStyle/>
           <a:p>
             <a:r>
-              <a:rPr lang="en-US" b="1" dirty="0">
-                <a:latin typeface="Helvetica Neue" charset="0"/>
+              <a:rPr lang="en-US" sz="1800" dirty="0">
+                <a:latin typeface="Bodoni MT" charset="0"/>
                 <a:cs typeface="Helvetica Neue" charset="0"/>
               </a:rPr>
-              <a:t>General Hints &amp; Tips</a:t>
-            </a:r>
-          </a:p>
-          <a:p>
-            <a:r>
-              <a:rPr lang="en-US" b="1" i="1" dirty="0">
-                <a:latin typeface="Helvetica Neue" charset="0"/>
-                <a:cs typeface="Helvetica Neue" charset="0"/>
-              </a:rPr>
-              <a:t>Do not </a:t>
-            </a:r>
-            <a:r>
-              <a:rPr lang="en-US" dirty="0">
-                <a:latin typeface="Helvetica Neue" charset="0"/>
-                <a:cs typeface="Helvetica Neue" charset="0"/>
-              </a:rPr>
-              <a:t>change the colour/size/logos/positioning of the Slide Master.</a:t>
-            </a:r>
-          </a:p>
-          <a:p>
-            <a:r>
-              <a:rPr lang="en-US" dirty="0">
-                <a:latin typeface="Helvetica Neue" charset="0"/>
-                <a:cs typeface="Helvetica Neue" charset="0"/>
-              </a:rPr>
-              <a:t>This is a standard format across all Innovation Expo posters.</a:t>
-            </a:r>
-          </a:p>
-          <a:p>
-            <a:r>
-              <a:rPr lang="en-US" b="1" i="1" dirty="0">
-                <a:latin typeface="Helvetica Neue" charset="0"/>
-                <a:cs typeface="Helvetica Neue" charset="0"/>
-              </a:rPr>
-              <a:t>Do not </a:t>
-            </a:r>
-            <a:r>
-              <a:rPr lang="en-US" dirty="0">
-                <a:latin typeface="Helvetica Neue" charset="0"/>
-                <a:cs typeface="Helvetica Neue" charset="0"/>
-              </a:rPr>
-              <a:t>add other corporate logos. This is an infringement of copyright, unless you have express permission to do so.</a:t>
-            </a:r>
-          </a:p>
-          <a:p>
-            <a:r>
-              <a:rPr lang="en-US" b="1" i="1" dirty="0">
-                <a:latin typeface="Helvetica Neue" charset="0"/>
-                <a:cs typeface="Helvetica Neue" charset="0"/>
-              </a:rPr>
-              <a:t>Do</a:t>
-            </a:r>
-            <a:r>
-              <a:rPr lang="en-US" dirty="0">
-                <a:latin typeface="Helvetica Neue" charset="0"/>
-                <a:cs typeface="Helvetica Neue" charset="0"/>
-              </a:rPr>
-              <a:t> use this space as creatively as you wish.</a:t>
-            </a:r>
-          </a:p>
-          <a:p>
-            <a:r>
-              <a:rPr lang="en-US" b="1" i="1" dirty="0">
-                <a:latin typeface="Helvetica Neue" charset="0"/>
-                <a:cs typeface="Helvetica Neue" charset="0"/>
-              </a:rPr>
-              <a:t>Avoid </a:t>
-            </a:r>
-            <a:r>
-              <a:rPr lang="en-US" dirty="0">
-                <a:latin typeface="Helvetica Neue" charset="0"/>
-                <a:cs typeface="Helvetica Neue" charset="0"/>
-              </a:rPr>
-              <a:t>using large background colours – doesn’t print well.</a:t>
-            </a:r>
-          </a:p>
-          <a:p>
-            <a:r>
-              <a:rPr lang="en-US" b="1" i="1" dirty="0">
-                <a:latin typeface="Helvetica Neue" charset="0"/>
-                <a:cs typeface="Helvetica Neue" charset="0"/>
-              </a:rPr>
-              <a:t>Stick to </a:t>
-            </a:r>
-            <a:r>
-              <a:rPr lang="en-US" dirty="0">
-                <a:latin typeface="Helvetica Neue" charset="0"/>
-                <a:cs typeface="Helvetica Neue" charset="0"/>
-              </a:rPr>
-              <a:t>the basic fonts &amp; sizes (left) – these read clearly. If you need to reduce the text size, you are trying to put too much on your poster.</a:t>
-            </a:r>
-          </a:p>
-          <a:p>
-            <a:r>
-              <a:rPr lang="en-US" b="1" i="1" dirty="0">
-                <a:latin typeface="Helvetica Neue" charset="0"/>
-                <a:cs typeface="Helvetica Neue" charset="0"/>
-              </a:rPr>
-              <a:t>As a check</a:t>
-            </a:r>
-            <a:r>
-              <a:rPr lang="en-US" dirty="0">
-                <a:latin typeface="Helvetica Neue" charset="0"/>
-                <a:cs typeface="Helvetica Neue" charset="0"/>
-              </a:rPr>
-              <a:t>, print “scaled to fit” onto A4 and read at arms length.</a:t>
-            </a:r>
-          </a:p>
-          <a:p>
-            <a:r>
-              <a:rPr lang="en-US" b="1" i="1" dirty="0">
-                <a:latin typeface="Helvetica Neue" charset="0"/>
-                <a:cs typeface="Helvetica Neue" charset="0"/>
-              </a:rPr>
-              <a:t>Save </a:t>
-            </a:r>
-            <a:r>
-              <a:rPr lang="en-US" dirty="0">
-                <a:latin typeface="Helvetica Neue" charset="0"/>
-                <a:cs typeface="Helvetica Neue" charset="0"/>
-              </a:rPr>
-              <a:t>your poster as you work on it.</a:t>
-            </a:r>
-          </a:p>
-          <a:p>
-            <a:r>
-              <a:rPr lang="en-US" b="1" i="1" dirty="0">
-                <a:latin typeface="Helvetica Neue" charset="0"/>
-                <a:cs typeface="Helvetica Neue" charset="0"/>
-              </a:rPr>
-              <a:t>You shouldn’t</a:t>
-            </a:r>
-            <a:r>
-              <a:rPr lang="en-US" dirty="0">
-                <a:latin typeface="Helvetica Neue" charset="0"/>
-                <a:cs typeface="Helvetica Neue" charset="0"/>
-              </a:rPr>
-              <a:t> need to change the sizing of this file, it should already be landscape format with width: 41cm and height: 28.7 cm (A3 with 5 mm borders all around).</a:t>
-            </a:r>
-          </a:p>
-          <a:p>
-            <a:r>
-              <a:rPr lang="en-US" b="1" i="1" dirty="0">
-                <a:latin typeface="Helvetica Neue" charset="0"/>
-                <a:cs typeface="Helvetica Neue" charset="0"/>
-              </a:rPr>
-              <a:t>The title </a:t>
-            </a:r>
-            <a:r>
-              <a:rPr lang="en-US" dirty="0">
-                <a:latin typeface="Helvetica Neue" charset="0"/>
-                <a:cs typeface="Helvetica Neue" charset="0"/>
-              </a:rPr>
-              <a:t>may look to close to the top edge – don’t be tempted to change it. It allows for the extra 5mm from the printing.</a:t>
-            </a:r>
-          </a:p>
-        </p:txBody>
-      </p:sp>
-      <p:sp>
-        <p:nvSpPr>
-          <p:cNvPr id="3078" name="Content Placeholder 8"/>
-          <p:cNvSpPr>
-            <a:spLocks noGrp="1"/>
-          </p:cNvSpPr>
-          <p:nvPr>
-            <p:ph idx="12"/>
-          </p:nvPr>
-        </p:nvSpPr>
-        <p:spPr>
-          <a:xfrm>
-            <a:off x="7466013" y="1270000"/>
-            <a:ext cx="3500437" cy="7656513"/>
-          </a:xfrm>
-          <a:ln/>
-        </p:spPr>
-        <p:txBody>
-          <a:bodyPr/>
-          <a:lstStyle/>
+              <a:t>SYSTEM OVERVIEW</a:t>
+            </a:r>
+          </a:p>
+          <a:p>
+            <a:endParaRPr lang="en-US" sz="1800" dirty="0">
+              <a:latin typeface="Bodoni MT" charset="0"/>
+              <a:cs typeface="Helvetica Neue" charset="0"/>
+            </a:endParaRPr>
+          </a:p>
+          <a:p>
+            <a:endParaRPr lang="en-US" dirty="0">
+              <a:latin typeface="Bodoni MT" charset="0"/>
+              <a:cs typeface="Helvetica Neue" charset="0"/>
+            </a:endParaRPr>
+          </a:p>
+          <a:p>
+            <a:endParaRPr lang="en-US" dirty="0">
+              <a:latin typeface="Helvetica Neue" charset="0"/>
+              <a:cs typeface="Helvetica Neue" charset="0"/>
+            </a:endParaRPr>
+          </a:p>
+          <a:p>
+            <a:endParaRPr lang="en-US" dirty="0">
+              <a:latin typeface="Helvetica Neue" charset="0"/>
+              <a:cs typeface="Helvetica Neue" charset="0"/>
+            </a:endParaRPr>
+          </a:p>
+          <a:p>
+            <a:endParaRPr lang="en-US" dirty="0">
+              <a:latin typeface="Helvetica Neue" charset="0"/>
+              <a:cs typeface="Helvetica Neue" charset="0"/>
+            </a:endParaRPr>
+          </a:p>
+          <a:p>
+            <a:endParaRPr lang="en-US" dirty="0">
+              <a:latin typeface="Helvetica Neue" charset="0"/>
+              <a:cs typeface="Helvetica Neue" charset="0"/>
+            </a:endParaRPr>
+          </a:p>
+          <a:p>
+            <a:endParaRPr lang="en-US" dirty="0">
+              <a:latin typeface="Helvetica Neue" charset="0"/>
+              <a:cs typeface="Helvetica Neue" charset="0"/>
+            </a:endParaRPr>
+          </a:p>
+          <a:p>
+            <a:endParaRPr lang="en-US" dirty="0">
+              <a:latin typeface="Helvetica Neue" charset="0"/>
+              <a:cs typeface="Helvetica Neue" charset="0"/>
+            </a:endParaRPr>
+          </a:p>
           <a:p>
             <a:endParaRPr lang="en-US" dirty="0">
               <a:latin typeface="Helvetica Neue" charset="0"/>
@@ -2715,8 +2611,8 @@
         </p:nvSpPr>
         <p:spPr>
           <a:xfrm>
-            <a:off x="11142663" y="1270000"/>
-            <a:ext cx="3500437" cy="7656513"/>
+            <a:off x="11142663" y="1270001"/>
+            <a:ext cx="3500437" cy="5748019"/>
           </a:xfrm>
           <a:ln/>
         </p:spPr>
@@ -2724,6 +2620,103 @@
           <a:bodyPr/>
           <a:lstStyle/>
           <a:p>
+            <a:r>
+              <a:rPr lang="en-US" sz="1800" dirty="0">
+                <a:latin typeface="Bodoni MT" charset="0"/>
+                <a:cs typeface="Helvetica Neue" charset="0"/>
+              </a:rPr>
+              <a:t>CONCLUSIONS</a:t>
+            </a:r>
+          </a:p>
+          <a:p>
+            <a:endParaRPr lang="en-US" sz="1800" dirty="0">
+              <a:latin typeface="Bodoni MT" charset="0"/>
+              <a:cs typeface="Helvetica Neue" charset="0"/>
+            </a:endParaRPr>
+          </a:p>
+          <a:p>
+            <a:pPr marL="285750" indent="-285750">
+              <a:buFont typeface="Arial" panose="020B0604020202020204" pitchFamily="34" charset="0"/>
+              <a:buChar char="•"/>
+            </a:pPr>
+            <a:r>
+              <a:rPr lang="en-US" sz="1800" dirty="0">
+                <a:latin typeface="Bodoni MT" charset="0"/>
+                <a:cs typeface="Helvetica Neue" charset="0"/>
+              </a:rPr>
+              <a:t>We were able to track a person using the GPS module. </a:t>
+            </a:r>
+          </a:p>
+          <a:p>
+            <a:pPr marL="285750" indent="-285750">
+              <a:buFont typeface="Arial" panose="020B0604020202020204" pitchFamily="34" charset="0"/>
+              <a:buChar char="•"/>
+            </a:pPr>
+            <a:r>
+              <a:rPr lang="en-US" sz="1800" dirty="0">
+                <a:latin typeface="Bodoni MT" charset="0"/>
+                <a:cs typeface="Helvetica Neue" charset="0"/>
+              </a:rPr>
+              <a:t>A dead-reckoning system was implicated using a Kalman filter</a:t>
+            </a:r>
+          </a:p>
+          <a:p>
+            <a:pPr marL="285750" indent="-285750">
+              <a:buFont typeface="Arial" panose="020B0604020202020204" pitchFamily="34" charset="0"/>
+              <a:buChar char="•"/>
+            </a:pPr>
+            <a:r>
+              <a:rPr lang="en-US" sz="1800" dirty="0">
+                <a:latin typeface="Bodoni MT" charset="0"/>
+                <a:cs typeface="Helvetica Neue" charset="0"/>
+              </a:rPr>
+              <a:t>Data could be sent to the dashboard</a:t>
+            </a:r>
+          </a:p>
+          <a:p>
+            <a:pPr marL="285750" indent="-285750">
+              <a:buFont typeface="Arial" panose="020B0604020202020204" pitchFamily="34" charset="0"/>
+              <a:buChar char="•"/>
+            </a:pPr>
+            <a:r>
+              <a:rPr lang="en-US" sz="1800" dirty="0">
+                <a:latin typeface="Bodoni MT" charset="0"/>
+                <a:cs typeface="Helvetica Neue" charset="0"/>
+              </a:rPr>
+              <a:t>Static beacon using thingy 52 implemented</a:t>
+            </a:r>
+          </a:p>
+          <a:p>
+            <a:r>
+              <a:rPr lang="en-US" sz="1800" dirty="0">
+                <a:latin typeface="Bodoni MT" charset="0"/>
+                <a:cs typeface="Helvetica Neue" charset="0"/>
+              </a:rPr>
+              <a:t>For the last KPI, a complication occurred where we were unable to send data to the </a:t>
+            </a:r>
+            <a:r>
+              <a:rPr lang="en-US" sz="1800" dirty="0" err="1">
+                <a:latin typeface="Bodoni MT" charset="0"/>
+                <a:cs typeface="Helvetica Neue" charset="0"/>
+              </a:rPr>
+              <a:t>LoraWan</a:t>
+            </a:r>
+            <a:r>
+              <a:rPr lang="en-US" sz="1800" dirty="0">
+                <a:latin typeface="Bodoni MT" charset="0"/>
+                <a:cs typeface="Helvetica Neue" charset="0"/>
+              </a:rPr>
+              <a:t> gateway. We combated this by instead switching to a mote to PC network configuration and we sent our data via Bluetooth.</a:t>
+            </a:r>
+          </a:p>
+          <a:p>
+            <a:r>
+              <a:rPr lang="en-US" sz="1800" dirty="0">
+                <a:latin typeface="Bodoni MT" charset="0"/>
+                <a:cs typeface="Helvetica Neue" charset="0"/>
+              </a:rPr>
+              <a:t> </a:t>
+            </a:r>
             <a:endParaRPr lang="en-US" dirty="0">
               <a:latin typeface="Helvetica Neue" charset="0"/>
               <a:cs typeface="Helvetica Neue" charset="0"/>
@@ -2731,7 +2724,761 @@
           </a:p>
         </p:txBody>
       </p:sp>
+      <p:pic>
+        <p:nvPicPr>
+          <p:cNvPr id="3" name="Picture 2" descr="Diagram&#10;&#10;Description automatically generated">
+            <a:extLst>
+              <a:ext uri="{FF2B5EF4-FFF2-40B4-BE49-F238E27FC236}">
+                <a16:creationId xmlns:a16="http://schemas.microsoft.com/office/drawing/2014/main" id="{B8C39F62-712F-414F-8A54-0C8ADCD401A6}"/>
+              </a:ext>
+            </a:extLst>
+          </p:cNvPr>
+          <p:cNvPicPr>
+            <a:picLocks noChangeAspect="1"/>
+          </p:cNvPicPr>
+          <p:nvPr/>
+        </p:nvPicPr>
+        <p:blipFill>
+          <a:blip r:embed="rId2"/>
+          <a:stretch>
+            <a:fillRect/>
+          </a:stretch>
+        </p:blipFill>
+        <p:spPr>
+          <a:xfrm>
+            <a:off x="4403725" y="1812925"/>
+            <a:ext cx="6118735" cy="3415108"/>
+          </a:xfrm>
+          <a:prstGeom prst="rect">
+            <a:avLst/>
+          </a:prstGeom>
+        </p:spPr>
+      </p:pic>
+      <p:pic>
+        <p:nvPicPr>
+          <p:cNvPr id="7" name="Picture 6" descr="Diagram&#10;&#10;Description automatically generated">
+            <a:extLst>
+              <a:ext uri="{FF2B5EF4-FFF2-40B4-BE49-F238E27FC236}">
+                <a16:creationId xmlns:a16="http://schemas.microsoft.com/office/drawing/2014/main" id="{BB44D735-EDA9-924F-9779-16A6CAA7BDDF}"/>
+              </a:ext>
+            </a:extLst>
+          </p:cNvPr>
+          <p:cNvPicPr>
+            <a:picLocks noChangeAspect="1"/>
+          </p:cNvPicPr>
+          <p:nvPr/>
+        </p:nvPicPr>
+        <p:blipFill>
+          <a:blip r:embed="rId3"/>
+          <a:stretch>
+            <a:fillRect/>
+          </a:stretch>
+        </p:blipFill>
+        <p:spPr>
+          <a:xfrm>
+            <a:off x="3904774" y="4221433"/>
+            <a:ext cx="4713446" cy="4877869"/>
+          </a:xfrm>
+          <a:prstGeom prst="rect">
+            <a:avLst/>
+          </a:prstGeom>
+        </p:spPr>
+      </p:pic>
+      <p:pic>
+        <p:nvPicPr>
+          <p:cNvPr id="5" name="Picture 4" descr="Diagram&#10;&#10;Description automatically generated">
+            <a:extLst>
+              <a:ext uri="{FF2B5EF4-FFF2-40B4-BE49-F238E27FC236}">
+                <a16:creationId xmlns:a16="http://schemas.microsoft.com/office/drawing/2014/main" id="{AEAE7CA5-1C65-714C-A36E-CD13D2406ECD}"/>
+              </a:ext>
+            </a:extLst>
+          </p:cNvPr>
+          <p:cNvPicPr>
+            <a:picLocks noChangeAspect="1"/>
+          </p:cNvPicPr>
+          <p:nvPr/>
+        </p:nvPicPr>
+        <p:blipFill>
+          <a:blip r:embed="rId4"/>
+          <a:stretch>
+            <a:fillRect/>
+          </a:stretch>
+        </p:blipFill>
+        <p:spPr>
+          <a:xfrm>
+            <a:off x="5919312" y="7647019"/>
+            <a:ext cx="6593840" cy="1929309"/>
+          </a:xfrm>
+          <a:prstGeom prst="rect">
+            <a:avLst/>
+          </a:prstGeom>
+        </p:spPr>
+      </p:pic>
     </p:spTree>
+  </p:cSld>
+  <p:clrMapOvr>
+    <a:masterClrMapping/>
+  </p:clrMapOvr>
+</p:sld>
+</file>
+
+<file path=ppt/slides/slide2.xml><?xml version="1.0" encoding="utf-8"?>
+<p:sld xmlns:a="http://schemas.openxmlformats.org/drawingml/2006/main" xmlns:r="http://schemas.openxmlformats.org/officeDocument/2006/relationships" xmlns:p="http://schemas.openxmlformats.org/presentationml/2006/main">
+  <p:cSld>
+    <p:spTree>
+      <p:nvGrpSpPr>
+        <p:cNvPr id="1" name=""/>
+        <p:cNvGrpSpPr/>
+        <p:nvPr/>
+      </p:nvGrpSpPr>
+      <p:grpSpPr>
+        <a:xfrm>
+          <a:off x="0" y="0"/>
+          <a:ext cx="0" cy="0"/>
+          <a:chOff x="0" y="0"/>
+          <a:chExt cx="0" cy="0"/>
+        </a:xfrm>
+      </p:grpSpPr>
+      <p:pic>
+        <p:nvPicPr>
+          <p:cNvPr id="9" name="Picture 8" descr="A picture containing text&#10;&#10;Description automatically generated">
+            <a:extLst>
+              <a:ext uri="{FF2B5EF4-FFF2-40B4-BE49-F238E27FC236}">
+                <a16:creationId xmlns:a16="http://schemas.microsoft.com/office/drawing/2014/main" id="{1FB2E483-114A-854B-A4D3-9BF8DC9AA010}"/>
+              </a:ext>
+            </a:extLst>
+          </p:cNvPr>
+          <p:cNvPicPr>
+            <a:picLocks noChangeAspect="1"/>
+          </p:cNvPicPr>
+          <p:nvPr/>
+        </p:nvPicPr>
+        <p:blipFill>
+          <a:blip r:embed="rId2"/>
+          <a:stretch>
+            <a:fillRect/>
+          </a:stretch>
+        </p:blipFill>
+        <p:spPr>
+          <a:xfrm>
+            <a:off x="1692434" y="2820830"/>
+            <a:ext cx="662146" cy="669728"/>
+          </a:xfrm>
+          <a:prstGeom prst="rect">
+            <a:avLst/>
+          </a:prstGeom>
+        </p:spPr>
+      </p:pic>
+      <p:pic>
+        <p:nvPicPr>
+          <p:cNvPr id="11" name="Picture 10" descr="A picture containing text&#10;&#10;Description automatically generated">
+            <a:extLst>
+              <a:ext uri="{FF2B5EF4-FFF2-40B4-BE49-F238E27FC236}">
+                <a16:creationId xmlns:a16="http://schemas.microsoft.com/office/drawing/2014/main" id="{4C43E093-B0EC-5347-83DC-09ACE1AB0CE0}"/>
+              </a:ext>
+            </a:extLst>
+          </p:cNvPr>
+          <p:cNvPicPr>
+            <a:picLocks noChangeAspect="1"/>
+          </p:cNvPicPr>
+          <p:nvPr/>
+        </p:nvPicPr>
+        <p:blipFill>
+          <a:blip r:embed="rId2"/>
+          <a:stretch>
+            <a:fillRect/>
+          </a:stretch>
+        </p:blipFill>
+        <p:spPr>
+          <a:xfrm>
+            <a:off x="1658540" y="6172752"/>
+            <a:ext cx="662147" cy="669729"/>
+          </a:xfrm>
+          <a:prstGeom prst="rect">
+            <a:avLst/>
+          </a:prstGeom>
+        </p:spPr>
+      </p:pic>
+      <p:pic>
+        <p:nvPicPr>
+          <p:cNvPr id="1026" name="Picture 2" descr="Argon Wi-Fi Development Board – Particle Retail">
+            <a:extLst>
+              <a:ext uri="{FF2B5EF4-FFF2-40B4-BE49-F238E27FC236}">
+                <a16:creationId xmlns:a16="http://schemas.microsoft.com/office/drawing/2014/main" id="{4C8F2010-1254-9449-B8C5-F3607B2B96D4}"/>
+              </a:ext>
+            </a:extLst>
+          </p:cNvPr>
+          <p:cNvPicPr>
+            <a:picLocks noChangeAspect="1" noChangeArrowheads="1"/>
+          </p:cNvPicPr>
+          <p:nvPr/>
+        </p:nvPicPr>
+        <p:blipFill>
+          <a:blip r:embed="rId3">
+            <a:extLst>
+              <a:ext uri="{28A0092B-C50C-407E-A947-70E740481C1C}">
+                <a14:useLocalDpi xmlns:a14="http://schemas.microsoft.com/office/drawing/2010/main" val="0"/>
+              </a:ext>
+            </a:extLst>
+          </a:blip>
+          <a:srcRect/>
+          <a:stretch>
+            <a:fillRect/>
+          </a:stretch>
+        </p:blipFill>
+        <p:spPr bwMode="auto">
+          <a:xfrm>
+            <a:off x="5174850" y="2681327"/>
+            <a:ext cx="809231" cy="809231"/>
+          </a:xfrm>
+          <a:prstGeom prst="rect">
+            <a:avLst/>
+          </a:prstGeom>
+          <a:noFill/>
+          <a:extLst>
+            <a:ext uri="{909E8E84-426E-40DD-AFC4-6F175D3DCCD1}">
+              <a14:hiddenFill xmlns:a14="http://schemas.microsoft.com/office/drawing/2010/main">
+                <a:solidFill>
+                  <a:srgbClr val="FFFFFF"/>
+                </a:solidFill>
+              </a14:hiddenFill>
+            </a:ext>
+          </a:extLst>
+        </p:spPr>
+      </p:pic>
+      <p:pic>
+        <p:nvPicPr>
+          <p:cNvPr id="13" name="Picture 2" descr="Argon Wi-Fi Development Board – Particle Retail">
+            <a:extLst>
+              <a:ext uri="{FF2B5EF4-FFF2-40B4-BE49-F238E27FC236}">
+                <a16:creationId xmlns:a16="http://schemas.microsoft.com/office/drawing/2014/main" id="{BC93F73A-D217-9848-BEE9-223A956BA704}"/>
+              </a:ext>
+            </a:extLst>
+          </p:cNvPr>
+          <p:cNvPicPr>
+            <a:picLocks noChangeAspect="1" noChangeArrowheads="1"/>
+          </p:cNvPicPr>
+          <p:nvPr/>
+        </p:nvPicPr>
+        <p:blipFill>
+          <a:blip r:embed="rId3">
+            <a:extLst>
+              <a:ext uri="{28A0092B-C50C-407E-A947-70E740481C1C}">
+                <a14:useLocalDpi xmlns:a14="http://schemas.microsoft.com/office/drawing/2010/main" val="0"/>
+              </a:ext>
+            </a:extLst>
+          </a:blip>
+          <a:srcRect/>
+          <a:stretch>
+            <a:fillRect/>
+          </a:stretch>
+        </p:blipFill>
+        <p:spPr bwMode="auto">
+          <a:xfrm>
+            <a:off x="5174850" y="6103000"/>
+            <a:ext cx="809231" cy="809231"/>
+          </a:xfrm>
+          <a:prstGeom prst="rect">
+            <a:avLst/>
+          </a:prstGeom>
+          <a:noFill/>
+          <a:extLst>
+            <a:ext uri="{909E8E84-426E-40DD-AFC4-6F175D3DCCD1}">
+              <a14:hiddenFill xmlns:a14="http://schemas.microsoft.com/office/drawing/2010/main">
+                <a:solidFill>
+                  <a:srgbClr val="FFFFFF"/>
+                </a:solidFill>
+              </a14:hiddenFill>
+            </a:ext>
+          </a:extLst>
+        </p:spPr>
+      </p:pic>
+      <p:sp>
+        <p:nvSpPr>
+          <p:cNvPr id="12" name="Rounded Rectangle 11">
+            <a:extLst>
+              <a:ext uri="{FF2B5EF4-FFF2-40B4-BE49-F238E27FC236}">
+                <a16:creationId xmlns:a16="http://schemas.microsoft.com/office/drawing/2014/main" id="{4136F80C-3D45-C249-947C-69A0158A0058}"/>
+              </a:ext>
+            </a:extLst>
+          </p:cNvPr>
+          <p:cNvSpPr/>
+          <p:nvPr/>
+        </p:nvSpPr>
+        <p:spPr>
+          <a:xfrm>
+            <a:off x="3086100" y="4115118"/>
+            <a:ext cx="1577340" cy="1188720"/>
+          </a:xfrm>
+          <a:prstGeom prst="roundRect">
+            <a:avLst/>
+          </a:prstGeom>
+        </p:spPr>
+        <p:style>
+          <a:lnRef idx="1">
+            <a:schemeClr val="accent1"/>
+          </a:lnRef>
+          <a:fillRef idx="3">
+            <a:schemeClr val="accent1"/>
+          </a:fillRef>
+          <a:effectRef idx="2">
+            <a:schemeClr val="accent1"/>
+          </a:effectRef>
+          <a:fontRef idx="minor">
+            <a:schemeClr val="lt1"/>
+          </a:fontRef>
+        </p:style>
+        <p:txBody>
+          <a:bodyPr rtlCol="0" anchor="ctr"/>
+          <a:lstStyle/>
+          <a:p>
+            <a:pPr algn="ctr"/>
+            <a:r>
+              <a:rPr lang="en-US" dirty="0"/>
+              <a:t>Mobile Node</a:t>
+            </a:r>
+          </a:p>
+        </p:txBody>
+      </p:sp>
+      <p:sp>
+        <p:nvSpPr>
+          <p:cNvPr id="14" name="Rounded Rectangle 13">
+            <a:extLst>
+              <a:ext uri="{FF2B5EF4-FFF2-40B4-BE49-F238E27FC236}">
+                <a16:creationId xmlns:a16="http://schemas.microsoft.com/office/drawing/2014/main" id="{31B3DA76-E24D-AF4D-BAEE-2D9C12DE4CDD}"/>
+              </a:ext>
+            </a:extLst>
+          </p:cNvPr>
+          <p:cNvSpPr/>
+          <p:nvPr/>
+        </p:nvSpPr>
+        <p:spPr>
+          <a:xfrm>
+            <a:off x="6812280" y="4115118"/>
+            <a:ext cx="2514600" cy="1188720"/>
+          </a:xfrm>
+          <a:prstGeom prst="roundRect">
+            <a:avLst/>
+          </a:prstGeom>
+        </p:spPr>
+        <p:style>
+          <a:lnRef idx="1">
+            <a:schemeClr val="accent1"/>
+          </a:lnRef>
+          <a:fillRef idx="3">
+            <a:schemeClr val="accent1"/>
+          </a:fillRef>
+          <a:effectRef idx="2">
+            <a:schemeClr val="accent1"/>
+          </a:effectRef>
+          <a:fontRef idx="minor">
+            <a:schemeClr val="lt1"/>
+          </a:fontRef>
+        </p:style>
+        <p:txBody>
+          <a:bodyPr rtlCol="0" anchor="ctr"/>
+          <a:lstStyle/>
+          <a:p>
+            <a:pPr algn="ctr"/>
+            <a:r>
+              <a:rPr lang="en-US" dirty="0" err="1"/>
+              <a:t>Dragino</a:t>
+            </a:r>
+            <a:r>
+              <a:rPr lang="en-US" dirty="0"/>
+              <a:t> Gateway</a:t>
+            </a:r>
+          </a:p>
+        </p:txBody>
+      </p:sp>
+      <p:sp>
+        <p:nvSpPr>
+          <p:cNvPr id="16" name="Rounded Rectangle 15">
+            <a:extLst>
+              <a:ext uri="{FF2B5EF4-FFF2-40B4-BE49-F238E27FC236}">
+                <a16:creationId xmlns:a16="http://schemas.microsoft.com/office/drawing/2014/main" id="{2C39C504-426A-E541-BDD3-CF0B325F228D}"/>
+              </a:ext>
+            </a:extLst>
+          </p:cNvPr>
+          <p:cNvSpPr/>
+          <p:nvPr/>
+        </p:nvSpPr>
+        <p:spPr>
+          <a:xfrm>
+            <a:off x="11132820" y="6842481"/>
+            <a:ext cx="2880360" cy="1774030"/>
+          </a:xfrm>
+          <a:prstGeom prst="roundRect">
+            <a:avLst/>
+          </a:prstGeom>
+        </p:spPr>
+        <p:style>
+          <a:lnRef idx="1">
+            <a:schemeClr val="accent1"/>
+          </a:lnRef>
+          <a:fillRef idx="3">
+            <a:schemeClr val="accent1"/>
+          </a:fillRef>
+          <a:effectRef idx="2">
+            <a:schemeClr val="accent1"/>
+          </a:effectRef>
+          <a:fontRef idx="minor">
+            <a:schemeClr val="lt1"/>
+          </a:fontRef>
+        </p:style>
+        <p:txBody>
+          <a:bodyPr rtlCol="0" anchor="ctr"/>
+          <a:lstStyle/>
+          <a:p>
+            <a:pPr algn="ctr"/>
+            <a:r>
+              <a:rPr lang="en-US" dirty="0"/>
+              <a:t>PC Application</a:t>
+            </a:r>
+          </a:p>
+        </p:txBody>
+      </p:sp>
+      <p:sp>
+        <p:nvSpPr>
+          <p:cNvPr id="17" name="Rounded Rectangle 16">
+            <a:extLst>
+              <a:ext uri="{FF2B5EF4-FFF2-40B4-BE49-F238E27FC236}">
+                <a16:creationId xmlns:a16="http://schemas.microsoft.com/office/drawing/2014/main" id="{092C974B-C229-2048-9035-DE85111948BC}"/>
+              </a:ext>
+            </a:extLst>
+          </p:cNvPr>
+          <p:cNvSpPr/>
+          <p:nvPr/>
+        </p:nvSpPr>
+        <p:spPr>
+          <a:xfrm>
+            <a:off x="11132820" y="3932586"/>
+            <a:ext cx="2880360" cy="1553784"/>
+          </a:xfrm>
+          <a:prstGeom prst="roundRect">
+            <a:avLst/>
+          </a:prstGeom>
+        </p:spPr>
+        <p:style>
+          <a:lnRef idx="1">
+            <a:schemeClr val="accent1"/>
+          </a:lnRef>
+          <a:fillRef idx="3">
+            <a:schemeClr val="accent1"/>
+          </a:fillRef>
+          <a:effectRef idx="2">
+            <a:schemeClr val="accent1"/>
+          </a:effectRef>
+          <a:fontRef idx="minor">
+            <a:schemeClr val="lt1"/>
+          </a:fontRef>
+        </p:style>
+        <p:txBody>
+          <a:bodyPr rtlCol="0" anchor="ctr"/>
+          <a:lstStyle/>
+          <a:p>
+            <a:pPr algn="ctr"/>
+            <a:r>
+              <a:rPr lang="en-US" dirty="0"/>
+              <a:t>Web Server</a:t>
+            </a:r>
+          </a:p>
+        </p:txBody>
+      </p:sp>
+      <p:cxnSp>
+        <p:nvCxnSpPr>
+          <p:cNvPr id="19" name="Straight Arrow Connector 18">
+            <a:extLst>
+              <a:ext uri="{FF2B5EF4-FFF2-40B4-BE49-F238E27FC236}">
+                <a16:creationId xmlns:a16="http://schemas.microsoft.com/office/drawing/2014/main" id="{A45EC52D-AFE8-4344-8458-7ADC3ACE4B13}"/>
+              </a:ext>
+            </a:extLst>
+          </p:cNvPr>
+          <p:cNvCxnSpPr>
+            <a:stCxn id="12" idx="3"/>
+            <a:endCxn id="14" idx="1"/>
+          </p:cNvCxnSpPr>
+          <p:nvPr/>
+        </p:nvCxnSpPr>
+        <p:spPr>
+          <a:xfrm>
+            <a:off x="4663440" y="4709478"/>
+            <a:ext cx="2124000" cy="0"/>
+          </a:xfrm>
+          <a:prstGeom prst="straightConnector1">
+            <a:avLst/>
+          </a:prstGeom>
+          <a:ln>
+            <a:tailEnd type="triangle"/>
+          </a:ln>
+        </p:spPr>
+        <p:style>
+          <a:lnRef idx="2">
+            <a:schemeClr val="accent1"/>
+          </a:lnRef>
+          <a:fillRef idx="0">
+            <a:schemeClr val="accent1"/>
+          </a:fillRef>
+          <a:effectRef idx="1">
+            <a:schemeClr val="accent1"/>
+          </a:effectRef>
+          <a:fontRef idx="minor">
+            <a:schemeClr val="tx1"/>
+          </a:fontRef>
+        </p:style>
+      </p:cxnSp>
+      <p:cxnSp>
+        <p:nvCxnSpPr>
+          <p:cNvPr id="21" name="Straight Arrow Connector 20">
+            <a:extLst>
+              <a:ext uri="{FF2B5EF4-FFF2-40B4-BE49-F238E27FC236}">
+                <a16:creationId xmlns:a16="http://schemas.microsoft.com/office/drawing/2014/main" id="{B970B6AD-1F6B-D743-AFC5-7B01A09D48AF}"/>
+              </a:ext>
+            </a:extLst>
+          </p:cNvPr>
+          <p:cNvCxnSpPr>
+            <a:stCxn id="14" idx="3"/>
+            <a:endCxn id="17" idx="1"/>
+          </p:cNvCxnSpPr>
+          <p:nvPr/>
+        </p:nvCxnSpPr>
+        <p:spPr>
+          <a:xfrm>
+            <a:off x="9326880" y="4709478"/>
+            <a:ext cx="1805940" cy="0"/>
+          </a:xfrm>
+          <a:prstGeom prst="straightConnector1">
+            <a:avLst/>
+          </a:prstGeom>
+          <a:ln>
+            <a:tailEnd type="triangle"/>
+          </a:ln>
+        </p:spPr>
+        <p:style>
+          <a:lnRef idx="2">
+            <a:schemeClr val="accent1"/>
+          </a:lnRef>
+          <a:fillRef idx="0">
+            <a:schemeClr val="accent1"/>
+          </a:fillRef>
+          <a:effectRef idx="1">
+            <a:schemeClr val="accent1"/>
+          </a:effectRef>
+          <a:fontRef idx="minor">
+            <a:schemeClr val="tx1"/>
+          </a:fontRef>
+        </p:style>
+      </p:cxnSp>
+      <p:cxnSp>
+        <p:nvCxnSpPr>
+          <p:cNvPr id="23" name="Straight Arrow Connector 22">
+            <a:extLst>
+              <a:ext uri="{FF2B5EF4-FFF2-40B4-BE49-F238E27FC236}">
+                <a16:creationId xmlns:a16="http://schemas.microsoft.com/office/drawing/2014/main" id="{D0396285-67A5-3A43-A34E-1BD8C299DC76}"/>
+              </a:ext>
+            </a:extLst>
+          </p:cNvPr>
+          <p:cNvCxnSpPr>
+            <a:stCxn id="17" idx="2"/>
+            <a:endCxn id="16" idx="0"/>
+          </p:cNvCxnSpPr>
+          <p:nvPr/>
+        </p:nvCxnSpPr>
+        <p:spPr>
+          <a:xfrm>
+            <a:off x="12573000" y="5486370"/>
+            <a:ext cx="0" cy="1356111"/>
+          </a:xfrm>
+          <a:prstGeom prst="straightConnector1">
+            <a:avLst/>
+          </a:prstGeom>
+          <a:ln>
+            <a:tailEnd type="triangle"/>
+          </a:ln>
+        </p:spPr>
+        <p:style>
+          <a:lnRef idx="2">
+            <a:schemeClr val="accent1"/>
+          </a:lnRef>
+          <a:fillRef idx="0">
+            <a:schemeClr val="accent1"/>
+          </a:fillRef>
+          <a:effectRef idx="1">
+            <a:schemeClr val="accent1"/>
+          </a:effectRef>
+          <a:fontRef idx="minor">
+            <a:schemeClr val="tx1"/>
+          </a:fontRef>
+        </p:style>
+      </p:cxnSp>
+      <p:cxnSp>
+        <p:nvCxnSpPr>
+          <p:cNvPr id="25" name="Straight Arrow Connector 24">
+            <a:extLst>
+              <a:ext uri="{FF2B5EF4-FFF2-40B4-BE49-F238E27FC236}">
+                <a16:creationId xmlns:a16="http://schemas.microsoft.com/office/drawing/2014/main" id="{9789D038-F08C-B541-B843-50793D89B272}"/>
+              </a:ext>
+            </a:extLst>
+          </p:cNvPr>
+          <p:cNvCxnSpPr/>
+          <p:nvPr/>
+        </p:nvCxnSpPr>
+        <p:spPr>
+          <a:xfrm flipV="1">
+            <a:off x="2320687" y="5303838"/>
+            <a:ext cx="765413" cy="868914"/>
+          </a:xfrm>
+          <a:prstGeom prst="straightConnector1">
+            <a:avLst/>
+          </a:prstGeom>
+          <a:ln>
+            <a:tailEnd type="triangle"/>
+          </a:ln>
+        </p:spPr>
+        <p:style>
+          <a:lnRef idx="2">
+            <a:schemeClr val="accent1"/>
+          </a:lnRef>
+          <a:fillRef idx="0">
+            <a:schemeClr val="accent1"/>
+          </a:fillRef>
+          <a:effectRef idx="1">
+            <a:schemeClr val="accent1"/>
+          </a:effectRef>
+          <a:fontRef idx="minor">
+            <a:schemeClr val="tx1"/>
+          </a:fontRef>
+        </p:style>
+      </p:cxnSp>
+      <p:cxnSp>
+        <p:nvCxnSpPr>
+          <p:cNvPr id="27" name="Straight Arrow Connector 26">
+            <a:extLst>
+              <a:ext uri="{FF2B5EF4-FFF2-40B4-BE49-F238E27FC236}">
+                <a16:creationId xmlns:a16="http://schemas.microsoft.com/office/drawing/2014/main" id="{B1DA236A-49EF-CF4C-9EFF-EBA85A25B69D}"/>
+              </a:ext>
+            </a:extLst>
+          </p:cNvPr>
+          <p:cNvCxnSpPr>
+            <a:cxnSpLocks/>
+          </p:cNvCxnSpPr>
+          <p:nvPr/>
+        </p:nvCxnSpPr>
+        <p:spPr>
+          <a:xfrm flipH="1">
+            <a:off x="4663440" y="3445389"/>
+            <a:ext cx="660322" cy="691931"/>
+          </a:xfrm>
+          <a:prstGeom prst="straightConnector1">
+            <a:avLst/>
+          </a:prstGeom>
+          <a:ln>
+            <a:tailEnd type="triangle"/>
+          </a:ln>
+        </p:spPr>
+        <p:style>
+          <a:lnRef idx="2">
+            <a:schemeClr val="accent1"/>
+          </a:lnRef>
+          <a:fillRef idx="0">
+            <a:schemeClr val="accent1"/>
+          </a:fillRef>
+          <a:effectRef idx="1">
+            <a:schemeClr val="accent1"/>
+          </a:effectRef>
+          <a:fontRef idx="minor">
+            <a:schemeClr val="tx1"/>
+          </a:fontRef>
+        </p:style>
+      </p:cxnSp>
+      <p:cxnSp>
+        <p:nvCxnSpPr>
+          <p:cNvPr id="28" name="Straight Arrow Connector 27">
+            <a:extLst>
+              <a:ext uri="{FF2B5EF4-FFF2-40B4-BE49-F238E27FC236}">
+                <a16:creationId xmlns:a16="http://schemas.microsoft.com/office/drawing/2014/main" id="{177195E8-9C71-5C49-97F7-DF781B4A14A6}"/>
+              </a:ext>
+            </a:extLst>
+          </p:cNvPr>
+          <p:cNvCxnSpPr>
+            <a:cxnSpLocks/>
+          </p:cNvCxnSpPr>
+          <p:nvPr/>
+        </p:nvCxnSpPr>
+        <p:spPr>
+          <a:xfrm>
+            <a:off x="2320687" y="3490558"/>
+            <a:ext cx="721797" cy="624560"/>
+          </a:xfrm>
+          <a:prstGeom prst="straightConnector1">
+            <a:avLst/>
+          </a:prstGeom>
+          <a:ln>
+            <a:tailEnd type="triangle"/>
+          </a:ln>
+        </p:spPr>
+        <p:style>
+          <a:lnRef idx="2">
+            <a:schemeClr val="accent1"/>
+          </a:lnRef>
+          <a:fillRef idx="0">
+            <a:schemeClr val="accent1"/>
+          </a:fillRef>
+          <a:effectRef idx="1">
+            <a:schemeClr val="accent1"/>
+          </a:effectRef>
+          <a:fontRef idx="minor">
+            <a:schemeClr val="tx1"/>
+          </a:fontRef>
+        </p:style>
+      </p:cxnSp>
+      <p:cxnSp>
+        <p:nvCxnSpPr>
+          <p:cNvPr id="29" name="Straight Arrow Connector 28">
+            <a:extLst>
+              <a:ext uri="{FF2B5EF4-FFF2-40B4-BE49-F238E27FC236}">
+                <a16:creationId xmlns:a16="http://schemas.microsoft.com/office/drawing/2014/main" id="{B664DA53-40D4-8E48-B7CA-652F4BE97417}"/>
+              </a:ext>
+            </a:extLst>
+          </p:cNvPr>
+          <p:cNvCxnSpPr>
+            <a:cxnSpLocks/>
+          </p:cNvCxnSpPr>
+          <p:nvPr/>
+        </p:nvCxnSpPr>
+        <p:spPr>
+          <a:xfrm flipH="1" flipV="1">
+            <a:off x="4663440" y="5456238"/>
+            <a:ext cx="765413" cy="716949"/>
+          </a:xfrm>
+          <a:prstGeom prst="straightConnector1">
+            <a:avLst/>
+          </a:prstGeom>
+          <a:ln>
+            <a:tailEnd type="triangle"/>
+          </a:ln>
+        </p:spPr>
+        <p:style>
+          <a:lnRef idx="2">
+            <a:schemeClr val="accent1"/>
+          </a:lnRef>
+          <a:fillRef idx="0">
+            <a:schemeClr val="accent1"/>
+          </a:fillRef>
+          <a:effectRef idx="1">
+            <a:schemeClr val="accent1"/>
+          </a:effectRef>
+          <a:fontRef idx="minor">
+            <a:schemeClr val="tx1"/>
+          </a:fontRef>
+        </p:style>
+      </p:cxnSp>
+    </p:spTree>
+    <p:extLst>
+      <p:ext uri="{BB962C8B-B14F-4D97-AF65-F5344CB8AC3E}">
+        <p14:creationId xmlns:p14="http://schemas.microsoft.com/office/powerpoint/2010/main" val="941891986"/>
+      </p:ext>
+    </p:extLst>
   </p:cSld>
   <p:clrMapOvr>
     <a:masterClrMapping/>
